--- a/PxM_PPC_RL/visuals/Manual Analysis.pptx
+++ b/PxM_PPC_RL/visuals/Manual Analysis.pptx
@@ -5,12 +5,13 @@
     <p:sldMasterId id="2147483660" r:id="rId1"/>
   </p:sldMasterIdLst>
   <p:sldIdLst>
-    <p:sldId id="256" r:id="rId2"/>
+    <p:sldId id="257" r:id="rId2"/>
+    <p:sldId id="256" r:id="rId3"/>
   </p:sldIdLst>
   <p:sldSz cx="14400213" cy="14400213"/>
   <p:notesSz cx="6858000" cy="9144000"/>
   <p:custDataLst>
-    <p:tags r:id="rId3"/>
+    <p:tags r:id="rId4"/>
   </p:custDataLst>
   <p:defaultTextStyle>
     <a:defPPr>
@@ -257,7 +258,7 @@
           <a:p>
             <a:fld id="{292EF574-4BF7-442F-A638-31BEEE305A02}" type="datetimeFigureOut">
               <a:rPr lang="en-US" smtClean="0"/>
-              <a:t>5/30/2022</a:t>
+              <a:t>6/7/2022</a:t>
             </a:fld>
             <a:endParaRPr lang="en-US"/>
           </a:p>
@@ -427,7 +428,7 @@
           <a:p>
             <a:fld id="{292EF574-4BF7-442F-A638-31BEEE305A02}" type="datetimeFigureOut">
               <a:rPr lang="en-US" smtClean="0"/>
-              <a:t>5/30/2022</a:t>
+              <a:t>6/7/2022</a:t>
             </a:fld>
             <a:endParaRPr lang="en-US"/>
           </a:p>
@@ -607,7 +608,7 @@
           <a:p>
             <a:fld id="{292EF574-4BF7-442F-A638-31BEEE305A02}" type="datetimeFigureOut">
               <a:rPr lang="en-US" smtClean="0"/>
-              <a:t>5/30/2022</a:t>
+              <a:t>6/7/2022</a:t>
             </a:fld>
             <a:endParaRPr lang="en-US"/>
           </a:p>
@@ -777,7 +778,7 @@
           <a:p>
             <a:fld id="{292EF574-4BF7-442F-A638-31BEEE305A02}" type="datetimeFigureOut">
               <a:rPr lang="en-US" smtClean="0"/>
-              <a:t>5/30/2022</a:t>
+              <a:t>6/7/2022</a:t>
             </a:fld>
             <a:endParaRPr lang="en-US"/>
           </a:p>
@@ -1021,7 +1022,7 @@
           <a:p>
             <a:fld id="{292EF574-4BF7-442F-A638-31BEEE305A02}" type="datetimeFigureOut">
               <a:rPr lang="en-US" smtClean="0"/>
-              <a:t>5/30/2022</a:t>
+              <a:t>6/7/2022</a:t>
             </a:fld>
             <a:endParaRPr lang="en-US"/>
           </a:p>
@@ -1253,7 +1254,7 @@
           <a:p>
             <a:fld id="{292EF574-4BF7-442F-A638-31BEEE305A02}" type="datetimeFigureOut">
               <a:rPr lang="en-US" smtClean="0"/>
-              <a:t>5/30/2022</a:t>
+              <a:t>6/7/2022</a:t>
             </a:fld>
             <a:endParaRPr lang="en-US"/>
           </a:p>
@@ -1620,7 +1621,7 @@
           <a:p>
             <a:fld id="{292EF574-4BF7-442F-A638-31BEEE305A02}" type="datetimeFigureOut">
               <a:rPr lang="en-US" smtClean="0"/>
-              <a:t>5/30/2022</a:t>
+              <a:t>6/7/2022</a:t>
             </a:fld>
             <a:endParaRPr lang="en-US"/>
           </a:p>
@@ -1738,7 +1739,7 @@
           <a:p>
             <a:fld id="{292EF574-4BF7-442F-A638-31BEEE305A02}" type="datetimeFigureOut">
               <a:rPr lang="en-US" smtClean="0"/>
-              <a:t>5/30/2022</a:t>
+              <a:t>6/7/2022</a:t>
             </a:fld>
             <a:endParaRPr lang="en-US"/>
           </a:p>
@@ -1833,7 +1834,7 @@
           <a:p>
             <a:fld id="{292EF574-4BF7-442F-A638-31BEEE305A02}" type="datetimeFigureOut">
               <a:rPr lang="en-US" smtClean="0"/>
-              <a:t>5/30/2022</a:t>
+              <a:t>6/7/2022</a:t>
             </a:fld>
             <a:endParaRPr lang="en-US"/>
           </a:p>
@@ -2110,7 +2111,7 @@
           <a:p>
             <a:fld id="{292EF574-4BF7-442F-A638-31BEEE305A02}" type="datetimeFigureOut">
               <a:rPr lang="en-US" smtClean="0"/>
-              <a:t>5/30/2022</a:t>
+              <a:t>6/7/2022</a:t>
             </a:fld>
             <a:endParaRPr lang="en-US"/>
           </a:p>
@@ -2367,7 +2368,7 @@
           <a:p>
             <a:fld id="{292EF574-4BF7-442F-A638-31BEEE305A02}" type="datetimeFigureOut">
               <a:rPr lang="en-US" smtClean="0"/>
-              <a:t>5/30/2022</a:t>
+              <a:t>6/7/2022</a:t>
             </a:fld>
             <a:endParaRPr lang="en-US"/>
           </a:p>
@@ -2580,7 +2581,7 @@
           <a:p>
             <a:fld id="{292EF574-4BF7-442F-A638-31BEEE305A02}" type="datetimeFigureOut">
               <a:rPr lang="en-US" smtClean="0"/>
-              <a:t>5/30/2022</a:t>
+              <a:t>6/7/2022</a:t>
             </a:fld>
             <a:endParaRPr lang="en-US"/>
           </a:p>
@@ -2678,7 +2679,7 @@
           </p:cNvGraphicFramePr>
           <p:nvPr userDrawn="1">
             <p:custDataLst>
-              <p:tags r:id="rId14"/>
+              <p:tags r:id="rId13"/>
             </p:custDataLst>
             <p:extLst>
               <p:ext uri="{D42A27DB-BD31-4B8C-83A1-F6EECF244321}">
@@ -2695,12 +2696,12 @@
           <a:graphicData uri="http://schemas.openxmlformats.org/presentationml/2006/ole">
             <mc:AlternateContent xmlns:mc="http://schemas.openxmlformats.org/markup-compatibility/2006">
               <mc:Choice xmlns:v="urn:schemas-microsoft-com:vml" Requires="v">
-                <p:oleObj spid="_x0000_s1028" name="think-cell Folie" r:id="rId15" imgW="351" imgH="351" progId="TCLayout.ActiveDocument.1">
+                <p:oleObj name="think-cell Folie" r:id="rId14" imgW="351" imgH="351" progId="TCLayout.ActiveDocument.1">
                   <p:embed/>
                 </p:oleObj>
               </mc:Choice>
               <mc:Fallback>
-                <p:oleObj name="think-cell Folie" r:id="rId15" imgW="351" imgH="351" progId="TCLayout.ActiveDocument.1">
+                <p:oleObj name="think-cell Folie" r:id="rId14" imgW="351" imgH="351" progId="TCLayout.ActiveDocument.1">
                   <p:embed/>
                   <p:pic>
                     <p:nvPicPr>
@@ -2715,7 +2716,7 @@
                       <p:nvPr/>
                     </p:nvPicPr>
                     <p:blipFill>
-                      <a:blip r:embed="rId16"/>
+                      <a:blip r:embed="rId15"/>
                       <a:stretch>
                         <a:fillRect/>
                       </a:stretch>
@@ -3062,6 +3063,172 @@
           <p:cNvPr id="4" name="Objekt 3" hidden="1">
             <a:extLst>
               <a:ext uri="{FF2B5EF4-FFF2-40B4-BE49-F238E27FC236}">
+                <a16:creationId xmlns:a16="http://schemas.microsoft.com/office/drawing/2014/main" id="{18AC38CF-A541-DD0D-3108-94FC41825B94}"/>
+              </a:ext>
+            </a:extLst>
+          </p:cNvPr>
+          <p:cNvGraphicFramePr>
+            <a:graphicFrameLocks noChangeAspect="1"/>
+          </p:cNvGraphicFramePr>
+          <p:nvPr>
+            <p:custDataLst>
+              <p:tags r:id="rId1"/>
+            </p:custDataLst>
+            <p:extLst>
+              <p:ext uri="{D42A27DB-BD31-4B8C-83A1-F6EECF244321}">
+                <p14:modId xmlns:p14="http://schemas.microsoft.com/office/powerpoint/2010/main" val="2962891333"/>
+              </p:ext>
+            </p:extLst>
+          </p:nvPr>
+        </p:nvGraphicFramePr>
+        <p:xfrm>
+          <a:off x="1588" y="1588"/>
+          <a:ext cx="1588" cy="1588"/>
+        </p:xfrm>
+        <a:graphic>
+          <a:graphicData uri="http://schemas.openxmlformats.org/presentationml/2006/ole">
+            <mc:AlternateContent xmlns:mc="http://schemas.openxmlformats.org/markup-compatibility/2006">
+              <mc:Choice xmlns:v="urn:schemas-microsoft-com:vml" Requires="v">
+                <p:oleObj name="think-cell Folie" r:id="rId3" imgW="351" imgH="351" progId="TCLayout.ActiveDocument.1">
+                  <p:embed/>
+                </p:oleObj>
+              </mc:Choice>
+              <mc:Fallback>
+                <p:oleObj name="think-cell Folie" r:id="rId3" imgW="351" imgH="351" progId="TCLayout.ActiveDocument.1">
+                  <p:embed/>
+                  <p:pic>
+                    <p:nvPicPr>
+                      <p:cNvPr id="0" name=""/>
+                      <p:cNvPicPr/>
+                      <p:nvPr/>
+                    </p:nvPicPr>
+                    <p:blipFill>
+                      <a:blip r:embed="rId4"/>
+                      <a:stretch>
+                        <a:fillRect/>
+                      </a:stretch>
+                    </p:blipFill>
+                    <p:spPr>
+                      <a:xfrm>
+                        <a:off x="1588" y="1588"/>
+                        <a:ext cx="1588" cy="1588"/>
+                      </a:xfrm>
+                      <a:prstGeom prst="rect">
+                        <a:avLst/>
+                      </a:prstGeom>
+                    </p:spPr>
+                  </p:pic>
+                </p:oleObj>
+              </mc:Fallback>
+            </mc:AlternateContent>
+          </a:graphicData>
+        </a:graphic>
+      </p:graphicFrame>
+      <p:sp>
+        <p:nvSpPr>
+          <p:cNvPr id="9" name="Textfeld 8">
+            <a:extLst>
+              <a:ext uri="{FF2B5EF4-FFF2-40B4-BE49-F238E27FC236}">
+                <a16:creationId xmlns:a16="http://schemas.microsoft.com/office/drawing/2014/main" id="{ADC7156B-D9A5-3F9D-FB5F-33138257332E}"/>
+              </a:ext>
+            </a:extLst>
+          </p:cNvPr>
+          <p:cNvSpPr txBox="1"/>
+          <p:nvPr/>
+        </p:nvSpPr>
+        <p:spPr>
+          <a:xfrm>
+            <a:off x="990600" y="719847"/>
+            <a:ext cx="968535" cy="646331"/>
+          </a:xfrm>
+          <a:prstGeom prst="rect">
+            <a:avLst/>
+          </a:prstGeom>
+          <a:noFill/>
+        </p:spPr>
+        <p:txBody>
+          <a:bodyPr wrap="none" rtlCol="0">
+            <a:spAutoFit/>
+          </a:bodyPr>
+          <a:lstStyle/>
+          <a:p>
+            <a:r>
+              <a:rPr lang="en-US" sz="3600" dirty="0"/>
+              <a:t>PPO</a:t>
+            </a:r>
+          </a:p>
+        </p:txBody>
+      </p:sp>
+      <p:pic>
+        <p:nvPicPr>
+          <p:cNvPr id="3" name="Grafik 2">
+            <a:extLst>
+              <a:ext uri="{FF2B5EF4-FFF2-40B4-BE49-F238E27FC236}">
+                <a16:creationId xmlns:a16="http://schemas.microsoft.com/office/drawing/2014/main" id="{2BAD2724-0155-B7AA-6472-2A633B6769E1}"/>
+              </a:ext>
+            </a:extLst>
+          </p:cNvPr>
+          <p:cNvPicPr>
+            <a:picLocks noChangeAspect="1"/>
+          </p:cNvPicPr>
+          <p:nvPr/>
+        </p:nvPicPr>
+        <p:blipFill>
+          <a:blip r:embed="rId5">
+            <a:extLst>
+              <a:ext uri="{28A0092B-C50C-407E-A947-70E740481C1C}">
+                <a14:useLocalDpi xmlns:a14="http://schemas.microsoft.com/office/drawing/2010/main" val="0"/>
+              </a:ext>
+            </a:extLst>
+          </a:blip>
+          <a:srcRect/>
+          <a:stretch/>
+        </p:blipFill>
+        <p:spPr>
+          <a:xfrm>
+            <a:off x="-1" y="1615924"/>
+            <a:ext cx="14400213" cy="12683056"/>
+          </a:xfrm>
+          <a:prstGeom prst="rect">
+            <a:avLst/>
+          </a:prstGeom>
+        </p:spPr>
+      </p:pic>
+    </p:spTree>
+    <p:extLst>
+      <p:ext uri="{BB962C8B-B14F-4D97-AF65-F5344CB8AC3E}">
+        <p14:creationId xmlns:p14="http://schemas.microsoft.com/office/powerpoint/2010/main" val="3519811769"/>
+      </p:ext>
+    </p:extLst>
+  </p:cSld>
+  <p:clrMapOvr>
+    <a:masterClrMapping/>
+  </p:clrMapOvr>
+</p:sld>
+</file>
+
+<file path=ppt/slides/slide2.xml><?xml version="1.0" encoding="utf-8"?>
+<p:sld xmlns:a="http://schemas.openxmlformats.org/drawingml/2006/main" xmlns:r="http://schemas.openxmlformats.org/officeDocument/2006/relationships" xmlns:p="http://schemas.openxmlformats.org/presentationml/2006/main">
+  <p:cSld>
+    <p:spTree>
+      <p:nvGrpSpPr>
+        <p:cNvPr id="1" name=""/>
+        <p:cNvGrpSpPr/>
+        <p:nvPr/>
+      </p:nvGrpSpPr>
+      <p:grpSpPr>
+        <a:xfrm>
+          <a:off x="0" y="0"/>
+          <a:ext cx="0" cy="0"/>
+          <a:chOff x="0" y="0"/>
+          <a:chExt cx="0" cy="0"/>
+        </a:xfrm>
+      </p:grpSpPr>
+      <p:graphicFrame>
+        <p:nvGraphicFramePr>
+          <p:cNvPr id="4" name="Objekt 3" hidden="1">
+            <a:extLst>
+              <a:ext uri="{FF2B5EF4-FFF2-40B4-BE49-F238E27FC236}">
                 <a16:creationId xmlns:a16="http://schemas.microsoft.com/office/drawing/2014/main" id="{C2761E31-CB35-8254-08A4-23C2E168B1A3}"/>
               </a:ext>
             </a:extLst>
@@ -3071,7 +3238,7 @@
           </p:cNvGraphicFramePr>
           <p:nvPr>
             <p:custDataLst>
-              <p:tags r:id="rId2"/>
+              <p:tags r:id="rId1"/>
             </p:custDataLst>
             <p:extLst>
               <p:ext uri="{D42A27DB-BD31-4B8C-83A1-F6EECF244321}">
@@ -3088,12 +3255,12 @@
           <a:graphicData uri="http://schemas.openxmlformats.org/presentationml/2006/ole">
             <mc:AlternateContent xmlns:mc="http://schemas.openxmlformats.org/markup-compatibility/2006">
               <mc:Choice xmlns:v="urn:schemas-microsoft-com:vml" Requires="v">
-                <p:oleObj spid="_x0000_s2052" name="think-cell Folie" r:id="rId4" imgW="351" imgH="351" progId="TCLayout.ActiveDocument.1">
+                <p:oleObj name="think-cell Folie" r:id="rId3" imgW="351" imgH="351" progId="TCLayout.ActiveDocument.1">
                   <p:embed/>
                 </p:oleObj>
               </mc:Choice>
               <mc:Fallback>
-                <p:oleObj name="think-cell Folie" r:id="rId4" imgW="351" imgH="351" progId="TCLayout.ActiveDocument.1">
+                <p:oleObj name="think-cell Folie" r:id="rId3" imgW="351" imgH="351" progId="TCLayout.ActiveDocument.1">
                   <p:embed/>
                   <p:pic>
                     <p:nvPicPr>
@@ -3102,7 +3269,7 @@
                       <p:nvPr/>
                     </p:nvPicPr>
                     <p:blipFill>
-                      <a:blip r:embed="rId5"/>
+                      <a:blip r:embed="rId4"/>
                       <a:stretch>
                         <a:fillRect/>
                       </a:stretch>
@@ -3138,7 +3305,7 @@
           <p:nvPr/>
         </p:nvPicPr>
         <p:blipFill>
-          <a:blip r:embed="rId6"/>
+          <a:blip r:embed="rId5"/>
           <a:stretch>
             <a:fillRect/>
           </a:stretch>
@@ -3205,8 +3372,8 @@
           </a:p>
         </p:txBody>
       </p:sp>
-      <mc:AlternateContent xmlns:mc="http://schemas.openxmlformats.org/markup-compatibility/2006">
-        <mc:Choice xmlns:a14="http://schemas.microsoft.com/office/drawing/2010/main" Requires="a14">
+      <mc:AlternateContent xmlns:mc="http://schemas.openxmlformats.org/markup-compatibility/2006" xmlns:a14="http://schemas.microsoft.com/office/drawing/2010/main">
+        <mc:Choice Requires="a14">
           <p:sp>
             <p:nvSpPr>
               <p:cNvPr id="8" name="Textfeld 7">
@@ -3286,7 +3453,7 @@
             </p:txBody>
           </p:sp>
         </mc:Choice>
-        <mc:Fallback>
+        <mc:Fallback xmlns="">
           <p:sp>
             <p:nvSpPr>
               <p:cNvPr id="8" name="Textfeld 7">
@@ -3383,8 +3550,8 @@
           </a:p>
         </p:txBody>
       </p:sp>
-      <mc:AlternateContent xmlns:mc="http://schemas.openxmlformats.org/markup-compatibility/2006">
-        <mc:Choice xmlns:a14="http://schemas.microsoft.com/office/drawing/2010/main" Requires="a14">
+      <mc:AlternateContent xmlns:mc="http://schemas.openxmlformats.org/markup-compatibility/2006" xmlns:a14="http://schemas.microsoft.com/office/drawing/2010/main">
+        <mc:Choice Requires="a14">
           <p:sp>
             <p:nvSpPr>
               <p:cNvPr id="10" name="Textfeld 9">
@@ -3421,7 +3588,9 @@
                     </m:oMathParaPr>
                     <m:oMath xmlns:m="http://schemas.openxmlformats.org/officeDocument/2006/math">
                       <m:r>
-                        <a:rPr lang="en-US" i="1"/>
+                        <a:rPr lang="en-US" i="1">
+                          <a:latin typeface="Cambria Math" panose="02040503050406030204" pitchFamily="18" charset="0"/>
+                        </a:rPr>
                         <m:t>𝐼</m:t>
                       </m:r>
                     </m:oMath>
@@ -3432,7 +3601,7 @@
             </p:txBody>
           </p:sp>
         </mc:Choice>
-        <mc:Fallback>
+        <mc:Fallback xmlns="">
           <p:sp>
             <p:nvSpPr>
               <p:cNvPr id="10" name="Textfeld 9">
@@ -3529,8 +3698,8 @@
           </a:p>
         </p:txBody>
       </p:sp>
-      <mc:AlternateContent xmlns:mc="http://schemas.openxmlformats.org/markup-compatibility/2006">
-        <mc:Choice xmlns:a14="http://schemas.microsoft.com/office/drawing/2010/main" Requires="a14">
+      <mc:AlternateContent xmlns:mc="http://schemas.openxmlformats.org/markup-compatibility/2006" xmlns:a14="http://schemas.microsoft.com/office/drawing/2010/main">
+        <mc:Choice Requires="a14">
           <p:sp>
             <p:nvSpPr>
               <p:cNvPr id="16" name="Textfeld 15">
@@ -3587,7 +3756,7 @@
             </p:txBody>
           </p:sp>
         </mc:Choice>
-        <mc:Fallback>
+        <mc:Fallback xmlns="">
           <p:sp>
             <p:nvSpPr>
               <p:cNvPr id="16" name="Textfeld 15">
@@ -3632,6 +3801,41 @@
           </p:sp>
         </mc:Fallback>
       </mc:AlternateContent>
+      <p:sp>
+        <p:nvSpPr>
+          <p:cNvPr id="2" name="Textfeld 1">
+            <a:extLst>
+              <a:ext uri="{FF2B5EF4-FFF2-40B4-BE49-F238E27FC236}">
+                <a16:creationId xmlns:a16="http://schemas.microsoft.com/office/drawing/2014/main" id="{D8BC2389-F773-75B0-3251-54CE2C1A0293}"/>
+              </a:ext>
+            </a:extLst>
+          </p:cNvPr>
+          <p:cNvSpPr txBox="1"/>
+          <p:nvPr/>
+        </p:nvSpPr>
+        <p:spPr>
+          <a:xfrm>
+            <a:off x="990600" y="719847"/>
+            <a:ext cx="1077539" cy="646331"/>
+          </a:xfrm>
+          <a:prstGeom prst="rect">
+            <a:avLst/>
+          </a:prstGeom>
+          <a:noFill/>
+        </p:spPr>
+        <p:txBody>
+          <a:bodyPr wrap="none" rtlCol="0">
+            <a:spAutoFit/>
+          </a:bodyPr>
+          <a:lstStyle/>
+          <a:p>
+            <a:r>
+              <a:rPr lang="en-US" sz="3600" dirty="0"/>
+              <a:t>DQN</a:t>
+            </a:r>
+          </a:p>
+        </p:txBody>
+      </p:sp>
     </p:spTree>
     <p:extLst>
       <p:ext uri="{BB962C8B-B14F-4D97-AF65-F5344CB8AC3E}">
@@ -3658,6 +3862,12 @@
 </file>
 
 <file path=ppt/tags/tag3.xml><?xml version="1.0" encoding="utf-8"?>
+<p:tagLst xmlns:a="http://schemas.openxmlformats.org/drawingml/2006/main" xmlns:r="http://schemas.openxmlformats.org/officeDocument/2006/relationships" xmlns:p="http://schemas.openxmlformats.org/presentationml/2006/main">
+  <p:tag name="THINKCELLSHAPEDONOTDELETE" val="thinkcellActiveDocDoNotDelete"/>
+</p:tagLst>
+</file>
+
+<file path=ppt/tags/tag4.xml><?xml version="1.0" encoding="utf-8"?>
 <p:tagLst xmlns:a="http://schemas.openxmlformats.org/drawingml/2006/main" xmlns:r="http://schemas.openxmlformats.org/officeDocument/2006/relationships" xmlns:p="http://schemas.openxmlformats.org/presentationml/2006/main">
   <p:tag name="THINKCELLSHAPEDONOTDELETE" val="thinkcellActiveDocDoNotDelete"/>
 </p:tagLst>
